--- a/Présentation Nosql.pptx
+++ b/Présentation Nosql.pptx
@@ -18,6 +18,7 @@
     <p:sldId id="262" r:id="rId15"/>
     <p:sldId id="258" r:id="rId16"/>
     <p:sldId id="260" r:id="rId17"/>
+    <p:sldId id="270" r:id="rId18"/>
   </p:sldIdLst>
   <p:sldSz cx="12192000" cy="6858000"/>
   <p:notesSz cx="6858000" cy="9144000"/>
@@ -854,7 +855,7 @@
             <a:fld id="{B61BEF0D-F0BB-DE4B-95CE-6DB70DBA9567}" type="datetimeFigureOut">
               <a:rPr lang="en-US" dirty="0"/>
               <a:pPr/>
-              <a:t>10/20/2021</a:t>
+              <a:t>10/22/2021</a:t>
             </a:fld>
             <a:endParaRPr lang="en-US"/>
           </a:p>
@@ -1106,7 +1107,7 @@
             <a:fld id="{B61BEF0D-F0BB-DE4B-95CE-6DB70DBA9567}" type="datetimeFigureOut">
               <a:rPr lang="en-US" dirty="0"/>
               <a:pPr/>
-              <a:t>10/20/2021</a:t>
+              <a:t>10/22/2021</a:t>
             </a:fld>
             <a:endParaRPr lang="en-US"/>
           </a:p>
@@ -1421,7 +1422,7 @@
             <a:fld id="{B61BEF0D-F0BB-DE4B-95CE-6DB70DBA9567}" type="datetimeFigureOut">
               <a:rPr lang="en-US" dirty="0"/>
               <a:pPr/>
-              <a:t>10/20/2021</a:t>
+              <a:t>10/22/2021</a:t>
             </a:fld>
             <a:endParaRPr lang="en-US"/>
           </a:p>
@@ -1763,7 +1764,7 @@
             <a:fld id="{B61BEF0D-F0BB-DE4B-95CE-6DB70DBA9567}" type="datetimeFigureOut">
               <a:rPr lang="en-US" dirty="0"/>
               <a:pPr/>
-              <a:t>10/20/2021</a:t>
+              <a:t>10/22/2021</a:t>
             </a:fld>
             <a:endParaRPr lang="en-US"/>
           </a:p>
@@ -2078,7 +2079,7 @@
             <a:fld id="{B61BEF0D-F0BB-DE4B-95CE-6DB70DBA9567}" type="datetimeFigureOut">
               <a:rPr lang="en-US" dirty="0"/>
               <a:pPr/>
-              <a:t>10/20/2021</a:t>
+              <a:t>10/22/2021</a:t>
             </a:fld>
             <a:endParaRPr lang="en-US"/>
           </a:p>
@@ -2472,7 +2473,7 @@
             <a:fld id="{B61BEF0D-F0BB-DE4B-95CE-6DB70DBA9567}" type="datetimeFigureOut">
               <a:rPr lang="en-US" dirty="0"/>
               <a:pPr/>
-              <a:t>10/20/2021</a:t>
+              <a:t>10/22/2021</a:t>
             </a:fld>
             <a:endParaRPr lang="en-US"/>
           </a:p>
@@ -2641,7 +2642,7 @@
           <a:p>
             <a:fld id="{55C6B4A9-1611-4792-9094-5F34BCA07E0B}" type="datetimeFigureOut">
               <a:rPr lang="en-US" dirty="0"/>
-              <a:t>10/20/2021</a:t>
+              <a:t>10/22/2021</a:t>
             </a:fld>
             <a:endParaRPr lang="en-US"/>
           </a:p>
@@ -2820,7 +2821,7 @@
             <a:fld id="{B61BEF0D-F0BB-DE4B-95CE-6DB70DBA9567}" type="datetimeFigureOut">
               <a:rPr lang="en-US" dirty="0"/>
               <a:pPr/>
-              <a:t>10/20/2021</a:t>
+              <a:t>10/22/2021</a:t>
             </a:fld>
             <a:endParaRPr lang="en-US"/>
           </a:p>
@@ -2996,7 +2997,7 @@
             <a:fld id="{B61BEF0D-F0BB-DE4B-95CE-6DB70DBA9567}" type="datetimeFigureOut">
               <a:rPr lang="en-US" dirty="0"/>
               <a:pPr/>
-              <a:t>10/20/2021</a:t>
+              <a:t>10/22/2021</a:t>
             </a:fld>
             <a:endParaRPr lang="en-US"/>
           </a:p>
@@ -3244,7 +3245,7 @@
             <a:fld id="{B61BEF0D-F0BB-DE4B-95CE-6DB70DBA9567}" type="datetimeFigureOut">
               <a:rPr lang="en-US" dirty="0"/>
               <a:pPr/>
-              <a:t>10/20/2021</a:t>
+              <a:t>10/22/2021</a:t>
             </a:fld>
             <a:endParaRPr lang="en-US"/>
           </a:p>
@@ -3474,7 +3475,7 @@
           <a:p>
             <a:fld id="{EB712588-04B1-427B-82EE-E8DB90309F08}" type="datetimeFigureOut">
               <a:rPr lang="en-US" dirty="0"/>
-              <a:t>10/20/2021</a:t>
+              <a:t>10/22/2021</a:t>
             </a:fld>
             <a:endParaRPr lang="en-US"/>
           </a:p>
@@ -3846,7 +3847,7 @@
             <a:fld id="{B61BEF0D-F0BB-DE4B-95CE-6DB70DBA9567}" type="datetimeFigureOut">
               <a:rPr lang="en-US" dirty="0"/>
               <a:pPr/>
-              <a:t>10/20/2021</a:t>
+              <a:t>10/22/2021</a:t>
             </a:fld>
             <a:endParaRPr lang="en-US"/>
           </a:p>
@@ -3970,7 +3971,7 @@
             <a:fld id="{B61BEF0D-F0BB-DE4B-95CE-6DB70DBA9567}" type="datetimeFigureOut">
               <a:rPr lang="en-US" dirty="0"/>
               <a:pPr/>
-              <a:t>10/20/2021</a:t>
+              <a:t>10/22/2021</a:t>
             </a:fld>
             <a:endParaRPr lang="en-US"/>
           </a:p>
@@ -4067,7 +4068,7 @@
             <a:fld id="{B61BEF0D-F0BB-DE4B-95CE-6DB70DBA9567}" type="datetimeFigureOut">
               <a:rPr lang="en-US" dirty="0"/>
               <a:pPr/>
-              <a:t>10/20/2021</a:t>
+              <a:t>10/22/2021</a:t>
             </a:fld>
             <a:endParaRPr lang="en-US"/>
           </a:p>
@@ -4321,7 +4322,7 @@
           <a:p>
             <a:fld id="{42A54C80-263E-416B-A8E0-580EDEADCBDC}" type="datetimeFigureOut">
               <a:rPr lang="en-US" dirty="0"/>
-              <a:t>10/20/2021</a:t>
+              <a:t>10/22/2021</a:t>
             </a:fld>
             <a:endParaRPr lang="en-US"/>
           </a:p>
@@ -4580,7 +4581,7 @@
             <a:fld id="{B61BEF0D-F0BB-DE4B-95CE-6DB70DBA9567}" type="datetimeFigureOut">
               <a:rPr lang="en-US" dirty="0"/>
               <a:pPr/>
-              <a:t>10/20/2021</a:t>
+              <a:t>10/22/2021</a:t>
             </a:fld>
             <a:endParaRPr lang="en-US"/>
           </a:p>
@@ -5323,7 +5324,7 @@
             <a:fld id="{B61BEF0D-F0BB-DE4B-95CE-6DB70DBA9567}" type="datetimeFigureOut">
               <a:rPr lang="en-US" dirty="0"/>
               <a:pPr/>
-              <a:t>10/20/2021</a:t>
+              <a:t>10/22/2021</a:t>
             </a:fld>
             <a:endParaRPr lang="en-US"/>
           </a:p>
@@ -8209,6 +8210,135 @@
 </p:sld>
 </file>
 
+<file path=ppt/slides/slide14.xml><?xml version="1.0" encoding="utf-8"?>
+<p:sld xmlns:a="http://schemas.openxmlformats.org/drawingml/2006/main" xmlns:r="http://schemas.openxmlformats.org/officeDocument/2006/relationships" xmlns:p="http://schemas.openxmlformats.org/presentationml/2006/main">
+  <p:cSld>
+    <p:spTree>
+      <p:nvGrpSpPr>
+        <p:cNvPr id="1" name=""/>
+        <p:cNvGrpSpPr/>
+        <p:nvPr/>
+      </p:nvGrpSpPr>
+      <p:grpSpPr>
+        <a:xfrm>
+          <a:off x="0" y="0"/>
+          <a:ext cx="0" cy="0"/>
+          <a:chOff x="0" y="0"/>
+          <a:chExt cx="0" cy="0"/>
+        </a:xfrm>
+      </p:grpSpPr>
+      <p:sp>
+        <p:nvSpPr>
+          <p:cNvPr id="2" name="Titre 1">
+            <a:extLst>
+              <a:ext uri="{FF2B5EF4-FFF2-40B4-BE49-F238E27FC236}">
+                <a16:creationId xmlns:a16="http://schemas.microsoft.com/office/drawing/2014/main" id="{0048E125-1DB6-4189-85D6-433AD95DA143}"/>
+              </a:ext>
+            </a:extLst>
+          </p:cNvPr>
+          <p:cNvSpPr>
+            <a:spLocks noGrp="1"/>
+          </p:cNvSpPr>
+          <p:nvPr>
+            <p:ph type="title"/>
+          </p:nvPr>
+        </p:nvSpPr>
+        <p:spPr/>
+        <p:txBody>
+          <a:bodyPr/>
+          <a:lstStyle/>
+          <a:p>
+            <a:r>
+              <a:rPr lang="fr-BE" dirty="0"/>
+              <a:t>Bibliography</a:t>
+            </a:r>
+            <a:endParaRPr lang="en-US" dirty="0"/>
+          </a:p>
+        </p:txBody>
+      </p:sp>
+      <p:sp>
+        <p:nvSpPr>
+          <p:cNvPr id="3" name="Espace réservé du contenu 2">
+            <a:extLst>
+              <a:ext uri="{FF2B5EF4-FFF2-40B4-BE49-F238E27FC236}">
+                <a16:creationId xmlns:a16="http://schemas.microsoft.com/office/drawing/2014/main" id="{63401F5F-5CD0-4BA5-8AD0-1069A43261E9}"/>
+              </a:ext>
+            </a:extLst>
+          </p:cNvPr>
+          <p:cNvSpPr>
+            <a:spLocks noGrp="1"/>
+          </p:cNvSpPr>
+          <p:nvPr>
+            <p:ph idx="1"/>
+          </p:nvPr>
+        </p:nvSpPr>
+        <p:spPr/>
+        <p:txBody>
+          <a:bodyPr/>
+          <a:lstStyle/>
+          <a:p>
+            <a:r>
+              <a:rPr lang="en-US" dirty="0">
+                <a:hlinkClick r:id="rId2"/>
+              </a:rPr>
+              <a:t>MongoDB Atlas: Cloud Document Database | MongoDB</a:t>
+            </a:r>
+            <a:endParaRPr lang="en-US" dirty="0"/>
+          </a:p>
+          <a:p>
+            <a:r>
+              <a:rPr lang="en-US" dirty="0">
+                <a:hlinkClick r:id="rId3"/>
+              </a:rPr>
+              <a:t>Tutorial — </a:t>
+            </a:r>
+            <a:r>
+              <a:rPr lang="en-US" dirty="0" err="1">
+                <a:hlinkClick r:id="rId3"/>
+              </a:rPr>
+              <a:t>PyMongo</a:t>
+            </a:r>
+            <a:r>
+              <a:rPr lang="en-US" dirty="0">
+                <a:hlinkClick r:id="rId3"/>
+              </a:rPr>
+              <a:t> 3.12.1 documentation</a:t>
+            </a:r>
+            <a:endParaRPr lang="en-US" dirty="0"/>
+          </a:p>
+          <a:p>
+            <a:r>
+              <a:rPr lang="en-US" dirty="0">
+                <a:hlinkClick r:id="rId4"/>
+              </a:rPr>
+              <a:t>What is MongoDB? Introduction, Architecture, Features &amp; Example (guru99.com)</a:t>
+            </a:r>
+            <a:endParaRPr lang="en-US" dirty="0"/>
+          </a:p>
+          <a:p>
+            <a:r>
+              <a:rPr lang="en-US">
+                <a:hlinkClick r:id="rId5"/>
+              </a:rPr>
+              <a:t>Top 5 Features of MongoDB | MongoDB</a:t>
+            </a:r>
+            <a:endParaRPr lang="en-US"/>
+          </a:p>
+        </p:txBody>
+      </p:sp>
+    </p:spTree>
+    <p:extLst>
+      <p:ext uri="{BB962C8B-B14F-4D97-AF65-F5344CB8AC3E}">
+        <p14:creationId xmlns:p14="http://schemas.microsoft.com/office/powerpoint/2010/main" val="2952361442"/>
+      </p:ext>
+    </p:extLst>
+  </p:cSld>
+  <p:clrMapOvr>
+    <a:masterClrMapping/>
+  </p:clrMapOvr>
+</p:sld>
+</file>
+
 <file path=ppt/slides/slide2.xml><?xml version="1.0" encoding="utf-8"?>
 <p:sld xmlns:a="http://schemas.openxmlformats.org/drawingml/2006/main" xmlns:r="http://schemas.openxmlformats.org/officeDocument/2006/relationships" xmlns:p="http://schemas.openxmlformats.org/presentationml/2006/main">
   <p:cSld>
@@ -10300,16 +10430,6 @@
 </file>
 
 <file path=customXml/item2.xml><?xml version="1.0" encoding="utf-8"?>
-<p:properties xmlns:p="http://schemas.microsoft.com/office/2006/metadata/properties" xmlns:xsi="http://www.w3.org/2001/XMLSchema-instance" xmlns:pc="http://schemas.microsoft.com/office/infopath/2007/PartnerControls">
-  <documentManagement>
-    <UniqueSourceRef xmlns="f7618108-674c-42d3-ae55-cd80ff1f29df" xsi:nil="true"/>
-    <FileHash xmlns="f7618108-674c-42d3-ae55-cd80ff1f29df" xsi:nil="true"/>
-    <CloudMigratorVersion xmlns="f7618108-674c-42d3-ae55-cd80ff1f29df" xsi:nil="true"/>
-  </documentManagement>
-</p:properties>
-</file>
-
-<file path=customXml/item3.xml><?xml version="1.0" encoding="utf-8"?>
 <ct:contentTypeSchema xmlns:ct="http://schemas.microsoft.com/office/2006/metadata/contentType" xmlns:ma="http://schemas.microsoft.com/office/2006/metadata/properties/metaAttributes" ct:_="" ma:_="" ma:contentTypeName="Document" ma:contentTypeID="0x0101001137A6BE5C4B164BB9B6B08044E4D039" ma:contentTypeVersion="15" ma:contentTypeDescription="Crée un document." ma:contentTypeScope="" ma:versionID="3b3adb0b83ff1e081dd8a895b05b1ef3">
   <xsd:schema xmlns:xsd="http://www.w3.org/2001/XMLSchema" xmlns:xs="http://www.w3.org/2001/XMLSchema" xmlns:p="http://schemas.microsoft.com/office/2006/metadata/properties" xmlns:ns3="f7618108-674c-42d3-ae55-cd80ff1f29df" targetNamespace="http://schemas.microsoft.com/office/2006/metadata/properties" ma:root="true" ma:fieldsID="42cf60a5f54105a3579d57a5ce715a7a" ns3:_="">
     <xsd:import namespace="f7618108-674c-42d3-ae55-cd80ff1f29df"/>
@@ -10543,6 +10663,16 @@
 </ct:contentTypeSchema>
 </file>
 
+<file path=customXml/item3.xml><?xml version="1.0" encoding="utf-8"?>
+<p:properties xmlns:p="http://schemas.microsoft.com/office/2006/metadata/properties" xmlns:xsi="http://www.w3.org/2001/XMLSchema-instance" xmlns:pc="http://schemas.microsoft.com/office/infopath/2007/PartnerControls">
+  <documentManagement>
+    <UniqueSourceRef xmlns="f7618108-674c-42d3-ae55-cd80ff1f29df" xsi:nil="true"/>
+    <FileHash xmlns="f7618108-674c-42d3-ae55-cd80ff1f29df" xsi:nil="true"/>
+    <CloudMigratorVersion xmlns="f7618108-674c-42d3-ae55-cd80ff1f29df" xsi:nil="true"/>
+  </documentManagement>
+</p:properties>
+</file>
+
 <file path=customXml/itemProps1.xml><?xml version="1.0" encoding="utf-8"?>
 <ds:datastoreItem xmlns:ds="http://schemas.openxmlformats.org/officeDocument/2006/customXml" ds:itemID="{705B022A-821C-4896-ACE0-4C9BFCD68FC7}">
   <ds:schemaRefs>
@@ -10552,22 +10682,6 @@
 </file>
 
 <file path=customXml/itemProps2.xml><?xml version="1.0" encoding="utf-8"?>
-<ds:datastoreItem xmlns:ds="http://schemas.openxmlformats.org/officeDocument/2006/customXml" ds:itemID="{C5EB7AD8-A6A0-435D-89A8-D53414EAFAD7}">
-  <ds:schemaRefs>
-    <ds:schemaRef ds:uri="http://purl.org/dc/elements/1.1/"/>
-    <ds:schemaRef ds:uri="f7618108-674c-42d3-ae55-cd80ff1f29df"/>
-    <ds:schemaRef ds:uri="http://schemas.microsoft.com/office/infopath/2007/PartnerControls"/>
-    <ds:schemaRef ds:uri="http://schemas.microsoft.com/office/2006/documentManagement/types"/>
-    <ds:schemaRef ds:uri="http://purl.org/dc/terms/"/>
-    <ds:schemaRef ds:uri="http://schemas.microsoft.com/office/2006/metadata/properties"/>
-    <ds:schemaRef ds:uri="http://schemas.openxmlformats.org/package/2006/metadata/core-properties"/>
-    <ds:schemaRef ds:uri="http://www.w3.org/XML/1998/namespace"/>
-    <ds:schemaRef ds:uri="http://purl.org/dc/dcmitype/"/>
-  </ds:schemaRefs>
-</ds:datastoreItem>
-</file>
-
-<file path=customXml/itemProps3.xml><?xml version="1.0" encoding="utf-8"?>
 <ds:datastoreItem xmlns:ds="http://schemas.openxmlformats.org/officeDocument/2006/customXml" ds:itemID="{433B8E75-6635-43A5-81F5-E72815184C07}">
   <ds:schemaRefs>
     <ds:schemaRef ds:uri="f7618108-674c-42d3-ae55-cd80ff1f29df"/>
@@ -10583,4 +10697,20 @@
     <ds:schemaRef ds:uri="http://www.w3.org/2001/XMLSchema"/>
   </ds:schemaRefs>
 </ds:datastoreItem>
+</file>
+
+<file path=customXml/itemProps3.xml><?xml version="1.0" encoding="utf-8"?>
+<ds:datastoreItem xmlns:ds="http://schemas.openxmlformats.org/officeDocument/2006/customXml" ds:itemID="{C5EB7AD8-A6A0-435D-89A8-D53414EAFAD7}">
+  <ds:schemaRefs>
+    <ds:schemaRef ds:uri="http://purl.org/dc/elements/1.1/"/>
+    <ds:schemaRef ds:uri="f7618108-674c-42d3-ae55-cd80ff1f29df"/>
+    <ds:schemaRef ds:uri="http://schemas.microsoft.com/office/infopath/2007/PartnerControls"/>
+    <ds:schemaRef ds:uri="http://schemas.microsoft.com/office/2006/documentManagement/types"/>
+    <ds:schemaRef ds:uri="http://purl.org/dc/terms/"/>
+    <ds:schemaRef ds:uri="http://schemas.microsoft.com/office/2006/metadata/properties"/>
+    <ds:schemaRef ds:uri="http://schemas.openxmlformats.org/package/2006/metadata/core-properties"/>
+    <ds:schemaRef ds:uri="http://www.w3.org/XML/1998/namespace"/>
+    <ds:schemaRef ds:uri="http://purl.org/dc/dcmitype/"/>
+  </ds:schemaRefs>
+</ds:datastoreItem>
 </file>